--- a/Abbildungen/Abbildungen_Theory.pptx
+++ b/Abbildungen/Abbildungen_Theory.pptx
@@ -209,7 +209,7 @@
           <a:p>
             <a:fld id="{509D8636-5D06-C446-9D1E-AF216C15BDC8}" type="datetimeFigureOut">
               <a:rPr lang="en-GB" smtClean="0"/>
-              <a:t>28/06/2025</a:t>
+              <a:t>19/12/2025</a:t>
             </a:fld>
             <a:endParaRPr lang="en-GB"/>
           </a:p>
@@ -1907,7 +1907,7 @@
           <a:p>
             <a:fld id="{740892A5-1A7D-3947-B6EA-FDE40E3DBF9E}" type="datetimeFigureOut">
               <a:rPr lang="en-GB" smtClean="0"/>
-              <a:t>28/06/2025</a:t>
+              <a:t>19/12/2025</a:t>
             </a:fld>
             <a:endParaRPr lang="en-GB"/>
           </a:p>
@@ -2077,7 +2077,7 @@
           <a:p>
             <a:fld id="{740892A5-1A7D-3947-B6EA-FDE40E3DBF9E}" type="datetimeFigureOut">
               <a:rPr lang="en-GB" smtClean="0"/>
-              <a:t>28/06/2025</a:t>
+              <a:t>19/12/2025</a:t>
             </a:fld>
             <a:endParaRPr lang="en-GB"/>
           </a:p>
@@ -2257,7 +2257,7 @@
           <a:p>
             <a:fld id="{740892A5-1A7D-3947-B6EA-FDE40E3DBF9E}" type="datetimeFigureOut">
               <a:rPr lang="en-GB" smtClean="0"/>
-              <a:t>28/06/2025</a:t>
+              <a:t>19/12/2025</a:t>
             </a:fld>
             <a:endParaRPr lang="en-GB"/>
           </a:p>
@@ -2427,7 +2427,7 @@
           <a:p>
             <a:fld id="{740892A5-1A7D-3947-B6EA-FDE40E3DBF9E}" type="datetimeFigureOut">
               <a:rPr lang="en-GB" smtClean="0"/>
-              <a:t>28/06/2025</a:t>
+              <a:t>19/12/2025</a:t>
             </a:fld>
             <a:endParaRPr lang="en-GB"/>
           </a:p>
@@ -2673,7 +2673,7 @@
           <a:p>
             <a:fld id="{740892A5-1A7D-3947-B6EA-FDE40E3DBF9E}" type="datetimeFigureOut">
               <a:rPr lang="en-GB" smtClean="0"/>
-              <a:t>28/06/2025</a:t>
+              <a:t>19/12/2025</a:t>
             </a:fld>
             <a:endParaRPr lang="en-GB"/>
           </a:p>
@@ -2905,7 +2905,7 @@
           <a:p>
             <a:fld id="{740892A5-1A7D-3947-B6EA-FDE40E3DBF9E}" type="datetimeFigureOut">
               <a:rPr lang="en-GB" smtClean="0"/>
-              <a:t>28/06/2025</a:t>
+              <a:t>19/12/2025</a:t>
             </a:fld>
             <a:endParaRPr lang="en-GB"/>
           </a:p>
@@ -3272,7 +3272,7 @@
           <a:p>
             <a:fld id="{740892A5-1A7D-3947-B6EA-FDE40E3DBF9E}" type="datetimeFigureOut">
               <a:rPr lang="en-GB" smtClean="0"/>
-              <a:t>28/06/2025</a:t>
+              <a:t>19/12/2025</a:t>
             </a:fld>
             <a:endParaRPr lang="en-GB"/>
           </a:p>
@@ -3390,7 +3390,7 @@
           <a:p>
             <a:fld id="{740892A5-1A7D-3947-B6EA-FDE40E3DBF9E}" type="datetimeFigureOut">
               <a:rPr lang="en-GB" smtClean="0"/>
-              <a:t>28/06/2025</a:t>
+              <a:t>19/12/2025</a:t>
             </a:fld>
             <a:endParaRPr lang="en-GB"/>
           </a:p>
@@ -3485,7 +3485,7 @@
           <a:p>
             <a:fld id="{740892A5-1A7D-3947-B6EA-FDE40E3DBF9E}" type="datetimeFigureOut">
               <a:rPr lang="en-GB" smtClean="0"/>
-              <a:t>28/06/2025</a:t>
+              <a:t>19/12/2025</a:t>
             </a:fld>
             <a:endParaRPr lang="en-GB"/>
           </a:p>
@@ -3762,7 +3762,7 @@
           <a:p>
             <a:fld id="{740892A5-1A7D-3947-B6EA-FDE40E3DBF9E}" type="datetimeFigureOut">
               <a:rPr lang="en-GB" smtClean="0"/>
-              <a:t>28/06/2025</a:t>
+              <a:t>19/12/2025</a:t>
             </a:fld>
             <a:endParaRPr lang="en-GB"/>
           </a:p>
@@ -4019,7 +4019,7 @@
           <a:p>
             <a:fld id="{740892A5-1A7D-3947-B6EA-FDE40E3DBF9E}" type="datetimeFigureOut">
               <a:rPr lang="en-GB" smtClean="0"/>
-              <a:t>28/06/2025</a:t>
+              <a:t>19/12/2025</a:t>
             </a:fld>
             <a:endParaRPr lang="en-GB"/>
           </a:p>
@@ -4232,7 +4232,7 @@
           <a:p>
             <a:fld id="{740892A5-1A7D-3947-B6EA-FDE40E3DBF9E}" type="datetimeFigureOut">
               <a:rPr lang="en-GB" smtClean="0"/>
-              <a:t>28/06/2025</a:t>
+              <a:t>19/12/2025</a:t>
             </a:fld>
             <a:endParaRPr lang="en-GB"/>
           </a:p>
@@ -21621,40 +21621,6 @@
           </a:fontRef>
         </p:style>
       </p:cxnSp>
-      <p:pic>
-        <p:nvPicPr>
-          <p:cNvPr id="47" name="Grafik 46" descr="\documentclass{article}&#10;\usepackage{amsmath}&#10;\pagestyle{empty}&#10;\begin{document}&#10;&#10;&#10;$\boldsymbol{\epsilon} \sim \mathcal{N}(\mathbf{0}, \mathbf{1})$&#10;&#10;\end{document}" title="IguanaTex Bitmap Display">
-            <a:extLst>
-              <a:ext uri="{FF2B5EF4-FFF2-40B4-BE49-F238E27FC236}">
-                <a16:creationId xmlns:a16="http://schemas.microsoft.com/office/drawing/2014/main" id="{59F465CE-90E1-CF67-9868-D1A9AF579820}"/>
-              </a:ext>
-            </a:extLst>
-          </p:cNvPr>
-          <p:cNvPicPr>
-            <a:picLocks noChangeAspect="1"/>
-          </p:cNvPicPr>
-          <p:nvPr>
-            <p:custDataLst>
-              <p:tags r:id="rId5"/>
-            </p:custDataLst>
-          </p:nvPr>
-        </p:nvPicPr>
-        <p:blipFill>
-          <a:blip r:embed="rId14"/>
-          <a:stretch>
-            <a:fillRect/>
-          </a:stretch>
-        </p:blipFill>
-        <p:spPr>
-          <a:xfrm>
-            <a:off x="1439620" y="2797544"/>
-            <a:ext cx="1188720" cy="274320"/>
-          </a:xfrm>
-          <a:prstGeom prst="rect">
-            <a:avLst/>
-          </a:prstGeom>
-        </p:spPr>
-      </p:pic>
       <p:cxnSp>
         <p:nvCxnSpPr>
           <p:cNvPr id="49" name="Gerade Verbindung 48">
@@ -21665,7 +21631,7 @@
             </a:extLst>
           </p:cNvPr>
           <p:cNvCxnSpPr>
-            <a:stCxn id="47" idx="3"/>
+            <a:cxnSpLocks/>
           </p:cNvCxnSpPr>
           <p:nvPr/>
         </p:nvCxnSpPr>
@@ -21745,7 +21711,6 @@
           </p:cNvPr>
           <p:cNvCxnSpPr>
             <a:cxnSpLocks/>
-            <a:stCxn id="47" idx="2"/>
           </p:cNvCxnSpPr>
           <p:nvPr/>
         </p:nvCxnSpPr>
@@ -21826,12 +21791,12 @@
           </p:cNvPicPr>
           <p:nvPr>
             <p:custDataLst>
-              <p:tags r:id="rId6"/>
+              <p:tags r:id="rId5"/>
             </p:custDataLst>
           </p:nvPr>
         </p:nvPicPr>
         <p:blipFill>
-          <a:blip r:embed="rId15"/>
+          <a:blip r:embed="rId14"/>
           <a:stretch>
             <a:fillRect/>
           </a:stretch>
@@ -21860,12 +21825,12 @@
           </p:cNvPicPr>
           <p:nvPr>
             <p:custDataLst>
-              <p:tags r:id="rId7"/>
+              <p:tags r:id="rId6"/>
             </p:custDataLst>
           </p:nvPr>
         </p:nvPicPr>
         <p:blipFill>
-          <a:blip r:embed="rId16"/>
+          <a:blip r:embed="rId15"/>
           <a:stretch>
             <a:fillRect/>
           </a:stretch>
@@ -21921,6 +21886,40 @@
           </a:fontRef>
         </p:style>
       </p:cxnSp>
+      <p:pic>
+        <p:nvPicPr>
+          <p:cNvPr id="4" name="Grafik 3" descr="\documentclass{article}&#10;\usepackage{amsmath}&#10;\pagestyle{empty}&#10;\begin{document}&#10;&#10;&#10;$\boldsymbol{\epsilon} \sim \mathcal{N}(\mathbf{0}, \mathbf{I})$&#10;&#10;\end{document}" title="IguanaTex Bitmap Display">
+            <a:extLst>
+              <a:ext uri="{FF2B5EF4-FFF2-40B4-BE49-F238E27FC236}">
+                <a16:creationId xmlns:a16="http://schemas.microsoft.com/office/drawing/2014/main" id="{10002449-7AE2-76DC-F816-A546CB30BC42}"/>
+              </a:ext>
+            </a:extLst>
+          </p:cNvPr>
+          <p:cNvPicPr>
+            <a:picLocks noChangeAspect="1"/>
+          </p:cNvPicPr>
+          <p:nvPr>
+            <p:custDataLst>
+              <p:tags r:id="rId7"/>
+            </p:custDataLst>
+          </p:nvPr>
+        </p:nvPicPr>
+        <p:blipFill>
+          <a:blip r:embed="rId16"/>
+          <a:stretch>
+            <a:fillRect/>
+          </a:stretch>
+        </p:blipFill>
+        <p:spPr>
+          <a:xfrm>
+            <a:off x="1299920" y="2759444"/>
+            <a:ext cx="1295400" cy="304800"/>
+          </a:xfrm>
+          <a:prstGeom prst="rect">
+            <a:avLst/>
+          </a:prstGeom>
+        </p:spPr>
+      </p:pic>
     </p:spTree>
     <p:extLst>
       <p:ext uri="{BB962C8B-B14F-4D97-AF65-F5344CB8AC3E}">
@@ -23269,13 +23268,13 @@
 <file path=ppt/tags/tag39.xml><?xml version="1.0" encoding="utf-8"?>
 <p:tagLst xmlns:a="http://schemas.openxmlformats.org/drawingml/2006/main" xmlns:r="http://schemas.openxmlformats.org/officeDocument/2006/relationships" xmlns:p="http://schemas.openxmlformats.org/presentationml/2006/main">
   <p:tag name="OUTPUTDPI" val="1200"/>
-  <p:tag name="ORIGINALHEIGHT" val="12"/>
-  <p:tag name="ORIGINALWIDTH" val="52"/>
+  <p:tag name="ORIGINALHEIGHT" val="13"/>
+  <p:tag name="ORIGINALWIDTH" val="111"/>
   <p:tag name="OUTPUTTYPE" val="PDF"/>
   <p:tag name="IGUANATEXVERSION" val="160"/>
-  <p:tag name="LATEXADDIN" val="\documentclass{article}&#10;\usepackage{amsmath}&#10;\pagestyle{empty}&#10;\begin{document}&#10;&#10;&#10;$\boldsymbol{\epsilon} \sim \mathcal{N}(\mathbf{0}, \mathbf{1})$&#10;&#10;\end{document}"/>
+  <p:tag name="LATEXADDIN" val="\documentclass{article}&#10;\usepackage{amsmath}&#10;\pagestyle{empty}&#10;\begin{document}&#10;&#10;&#10;$\mathcal{L}_{\text{DDPM}}  =| \boldsymbol{\epsilon}_\theta(x_t, t) - \boldsymbol{\epsilon}_t |_2^2 $&#13;&#10;&#10;&#10;\end{document}"/>
   <p:tag name="IGUANATEXSIZE" val="18"/>
-  <p:tag name="IGUANATEXCURSOR" val="82"/>
+  <p:tag name="IGUANATEXCURSOR" val="185"/>
   <p:tag name="TRANSPARENCY" val="Wahr"/>
   <p:tag name="LATEXENGINEID" val="0"/>
   <p:tag name="TEMPFOLDER" val="/private/var/folders/c6/t8mdrkg55qn7fgh__gkv7nlc0000gn/T/com.microsoft.Powerpoint/TemporaryItems/"/>
@@ -23309,13 +23308,13 @@
 <file path=ppt/tags/tag40.xml><?xml version="1.0" encoding="utf-8"?>
 <p:tagLst xmlns:a="http://schemas.openxmlformats.org/drawingml/2006/main" xmlns:r="http://schemas.openxmlformats.org/officeDocument/2006/relationships" xmlns:p="http://schemas.openxmlformats.org/presentationml/2006/main">
   <p:tag name="OUTPUTDPI" val="1200"/>
-  <p:tag name="ORIGINALHEIGHT" val="13"/>
-  <p:tag name="ORIGINALWIDTH" val="111"/>
+  <p:tag name="ORIGINALHEIGHT" val="8"/>
+  <p:tag name="ORIGINALWIDTH" val="46"/>
   <p:tag name="OUTPUTTYPE" val="PDF"/>
   <p:tag name="IGUANATEXVERSION" val="160"/>
-  <p:tag name="LATEXADDIN" val="\documentclass{article}&#10;\usepackage{amsmath}&#10;\pagestyle{empty}&#10;\begin{document}&#10;&#10;&#10;$\mathcal{L}_{\text{DDPM}}  =| \boldsymbol{\epsilon}_\theta(x_t, t) - \boldsymbol{\epsilon}_t |_2^2 $&#13;&#10;&#10;&#10;\end{document}"/>
+  <p:tag name="LATEXADDIN" val="\documentclass{article}&#10;\usepackage{amsmath}&#10;\pagestyle{empty}&#10;\begin{document}&#10;&#10;&#10;$\mathbf{x}_0 \sim p_\text{data}$&#13;&#10;&#10;&#10;\end{document}"/>
   <p:tag name="IGUANATEXSIZE" val="18"/>
-  <p:tag name="IGUANATEXCURSOR" val="185"/>
+  <p:tag name="IGUANATEXCURSOR" val="117"/>
   <p:tag name="TRANSPARENCY" val="Wahr"/>
   <p:tag name="LATEXENGINEID" val="0"/>
   <p:tag name="TEMPFOLDER" val="/private/var/folders/c6/t8mdrkg55qn7fgh__gkv7nlc0000gn/T/com.microsoft.Powerpoint/TemporaryItems/"/>
@@ -23329,13 +23328,13 @@
 <file path=ppt/tags/tag41.xml><?xml version="1.0" encoding="utf-8"?>
 <p:tagLst xmlns:a="http://schemas.openxmlformats.org/drawingml/2006/main" xmlns:r="http://schemas.openxmlformats.org/officeDocument/2006/relationships" xmlns:p="http://schemas.openxmlformats.org/presentationml/2006/main">
   <p:tag name="OUTPUTDPI" val="1200"/>
-  <p:tag name="ORIGINALHEIGHT" val="8"/>
-  <p:tag name="ORIGINALWIDTH" val="46"/>
+  <p:tag name="ORIGINALHEIGHT" val="12"/>
+  <p:tag name="ORIGINALWIDTH" val="51"/>
   <p:tag name="OUTPUTTYPE" val="PDF"/>
   <p:tag name="IGUANATEXVERSION" val="160"/>
-  <p:tag name="LATEXADDIN" val="\documentclass{article}&#10;\usepackage{amsmath}&#10;\pagestyle{empty}&#10;\begin{document}&#10;&#10;&#10;$\mathbf{x}_0 \sim p_\text{data}$&#13;&#10;&#10;&#10;\end{document}"/>
-  <p:tag name="IGUANATEXSIZE" val="18"/>
-  <p:tag name="IGUANATEXCURSOR" val="117"/>
+  <p:tag name="LATEXADDIN" val="\documentclass{article}&#10;\usepackage{amsmath}&#10;\pagestyle{empty}&#10;\begin{document}&#10;&#10;&#10;$\boldsymbol{\epsilon} \sim \mathcal{N}(\mathbf{0}, \mathbf{I})$&#10;&#10;\end{document}"/>
+  <p:tag name="IGUANATEXSIZE" val="20"/>
+  <p:tag name="IGUANATEXCURSOR" val="146"/>
   <p:tag name="TRANSPARENCY" val="Wahr"/>
   <p:tag name="LATEXENGINEID" val="0"/>
   <p:tag name="TEMPFOLDER" val="/private/var/folders/c6/t8mdrkg55qn7fgh__gkv7nlc0000gn/T/com.microsoft.Powerpoint/TemporaryItems/"/>
